--- a/class 6/networking (Lab 1 - 6)/Network 2/2. Presentation/2.pptx
+++ b/class 6/networking (Lab 1 - 6)/Network 2/2. Presentation/2.pptx
@@ -5,12 +5,18 @@
     <p:sldMasterId id="2147483648" r:id="rId1"/>
   </p:sldMasterIdLst>
   <p:notesMasterIdLst>
-    <p:notesMasterId r:id="rId6"/>
+    <p:notesMasterId r:id="rId12"/>
   </p:notesMasterIdLst>
   <p:sldIdLst>
     <p:sldId id="256" r:id="rId3"/>
     <p:sldId id="277" r:id="rId4"/>
-    <p:sldId id="283" r:id="rId5"/>
+    <p:sldId id="284" r:id="rId5"/>
+    <p:sldId id="285" r:id="rId6"/>
+    <p:sldId id="286" r:id="rId7"/>
+    <p:sldId id="287" r:id="rId8"/>
+    <p:sldId id="288" r:id="rId9"/>
+    <p:sldId id="290" r:id="rId10"/>
+    <p:sldId id="283" r:id="rId11"/>
   </p:sldIdLst>
   <p:sldSz cx="12192000" cy="6858000"/>
   <p:notesSz cx="7103745" cy="10234295"/>
@@ -3444,7 +3450,7 @@
           <a:p>
             <a:pPr algn="ctr"/>
             <a:r>
-              <a:rPr lang="" altLang="en-US" sz="7200" b="1">
+              <a:rPr lang="en-US" altLang="en-US" sz="7200" b="1">
                 <a:solidFill>
                   <a:srgbClr val="7030A0"/>
                 </a:solidFill>
@@ -3461,7 +3467,7 @@
               </a:rPr>
               <a:t>Computer Network</a:t>
             </a:r>
-            <a:endParaRPr lang="" altLang="en-US" sz="7200" b="1">
+            <a:endParaRPr lang="en-US" altLang="en-US" sz="7200" b="1">
               <a:solidFill>
                 <a:srgbClr val="7030A0"/>
               </a:solidFill>
@@ -3596,26 +3602,9 @@
                 <a:latin typeface="Purisa" panose="02000603000000000000" charset="0"/>
                 <a:cs typeface="Purisa" panose="02000603000000000000" charset="0"/>
               </a:rPr>
-              <a:t>  lab </a:t>
-            </a:r>
-            <a:r>
-              <a:rPr lang="" altLang="en-US" sz="4800" b="1">
-                <a:solidFill>
-                  <a:schemeClr val="tx1"/>
-                </a:solidFill>
-                <a:effectLst>
-                  <a:outerShdw blurRad="38100" dist="19050" dir="2700000" algn="tl" rotWithShape="0">
-                    <a:schemeClr val="dk1">
-                      <a:alpha val="40000"/>
-                    </a:schemeClr>
-                  </a:outerShdw>
-                </a:effectLst>
-                <a:latin typeface="Purisa" panose="02000603000000000000" charset="0"/>
-                <a:cs typeface="Purisa" panose="02000603000000000000" charset="0"/>
-              </a:rPr>
-              <a:t>2</a:t>
-            </a:r>
-            <a:endParaRPr lang="" altLang="en-US" sz="4800" b="1">
+              <a:t>  lab 2</a:t>
+            </a:r>
+            <a:endParaRPr lang="en-US" altLang="en-US" sz="4800" b="1">
               <a:solidFill>
                 <a:schemeClr val="tx1"/>
               </a:solidFill>
@@ -3890,7 +3879,7 @@
         </p:nvSpPr>
         <p:spPr>
           <a:xfrm>
-            <a:off x="2205990" y="163830"/>
+            <a:off x="2320290" y="316230"/>
             <a:ext cx="9508490" cy="1322070"/>
           </a:xfrm>
           <a:prstGeom prst="rect">
@@ -3904,16 +3893,16 @@
           </a:bodyPr>
           <a:p>
             <a:r>
-              <a:rPr lang="en-US" altLang="en-US" sz="8000">
+              <a:rPr lang="" altLang="en-US" sz="8000">
                 <a:solidFill>
                   <a:srgbClr val="C6790C"/>
                 </a:solidFill>
                 <a:latin typeface="Uroob" panose="00000800000000000000" charset="0"/>
                 <a:cs typeface="Uroob" panose="00000800000000000000" charset="0"/>
               </a:rPr>
-              <a:t>			Photo Editing</a:t>
-            </a:r>
-            <a:endParaRPr lang="en-US" altLang="en-US" sz="8000">
+              <a:t>Networking Hardware</a:t>
+            </a:r>
+            <a:endParaRPr lang="" altLang="en-US" sz="8000">
               <a:solidFill>
                 <a:srgbClr val="C6790C"/>
               </a:solidFill>
@@ -3947,6 +3936,215 @@
           </a:prstGeom>
         </p:spPr>
       </p:pic>
+      <p:sp>
+        <p:nvSpPr>
+          <p:cNvPr id="100" name="Text Box 99"/>
+          <p:cNvSpPr txBox="1"/>
+          <p:nvPr/>
+        </p:nvSpPr>
+        <p:spPr>
+          <a:xfrm>
+            <a:off x="799465" y="2136458"/>
+            <a:ext cx="5080000" cy="2584450"/>
+          </a:xfrm>
+          <a:prstGeom prst="rect">
+            <a:avLst/>
+          </a:prstGeom>
+          <a:noFill/>
+          <a:ln w="9525">
+            <a:noFill/>
+          </a:ln>
+        </p:spPr>
+        <p:txBody>
+          <a:bodyPr>
+            <a:spAutoFit/>
+          </a:bodyPr>
+          <a:p>
+            <a:pPr indent="0">
+              <a:buNone/>
+            </a:pPr>
+            <a:r>
+              <a:rPr lang="" altLang="en-US" b="0">
+                <a:latin typeface="Calibri" charset="0"/>
+                <a:cs typeface="SimSun" charset="0"/>
+              </a:rPr>
+              <a:t>- </a:t>
+            </a:r>
+            <a:r>
+              <a:rPr lang="en-US" b="0">
+                <a:latin typeface="Calibri" charset="0"/>
+                <a:cs typeface="SimSun" charset="0"/>
+              </a:rPr>
+              <a:t>Network Cables</a:t>
+            </a:r>
+            <a:endParaRPr lang="en-US" b="0">
+              <a:latin typeface="Calibri" charset="0"/>
+              <a:cs typeface="SimSun" charset="0"/>
+            </a:endParaRPr>
+          </a:p>
+          <a:p>
+            <a:pPr indent="0">
+              <a:buNone/>
+            </a:pPr>
+            <a:endParaRPr lang="en-US" b="0">
+              <a:latin typeface="Calibri" charset="0"/>
+              <a:cs typeface="SimSun" charset="0"/>
+            </a:endParaRPr>
+          </a:p>
+          <a:p>
+            <a:pPr indent="0">
+              <a:buNone/>
+            </a:pPr>
+            <a:r>
+              <a:rPr lang="" altLang="en-US" b="0">
+                <a:latin typeface="Calibri" charset="0"/>
+                <a:cs typeface="SimSun" charset="0"/>
+              </a:rPr>
+              <a:t>- </a:t>
+            </a:r>
+            <a:r>
+              <a:rPr lang="en-US" b="0">
+                <a:latin typeface="Calibri" charset="0"/>
+                <a:cs typeface="SimSun" charset="0"/>
+              </a:rPr>
+              <a:t>Distributors</a:t>
+            </a:r>
+            <a:endParaRPr lang="en-US" b="0">
+              <a:latin typeface="Calibri" charset="0"/>
+              <a:cs typeface="SimSun" charset="0"/>
+            </a:endParaRPr>
+          </a:p>
+          <a:p>
+            <a:pPr indent="0">
+              <a:buNone/>
+            </a:pPr>
+            <a:r>
+              <a:rPr lang="en-US" b="0">
+                <a:latin typeface="Calibri" charset="0"/>
+                <a:cs typeface="SimSun" charset="0"/>
+              </a:rPr>
+              <a:t>+</a:t>
+            </a:r>
+            <a:r>
+              <a:rPr lang="" altLang="en-US" b="0">
+                <a:latin typeface="Calibri" charset="0"/>
+                <a:cs typeface="SimSun" charset="0"/>
+              </a:rPr>
+              <a:t>- </a:t>
+            </a:r>
+            <a:r>
+              <a:rPr lang="en-US" b="0">
+                <a:latin typeface="Calibri" charset="0"/>
+                <a:cs typeface="SimSun" charset="0"/>
+              </a:rPr>
+              <a:t>Routers</a:t>
+            </a:r>
+            <a:endParaRPr lang="en-US" b="0">
+              <a:latin typeface="Calibri" charset="0"/>
+              <a:cs typeface="SimSun" charset="0"/>
+            </a:endParaRPr>
+          </a:p>
+          <a:p>
+            <a:pPr indent="0">
+              <a:buNone/>
+            </a:pPr>
+            <a:r>
+              <a:rPr lang="en-US" b="0">
+                <a:latin typeface="Calibri" charset="0"/>
+                <a:cs typeface="SimSun" charset="0"/>
+              </a:rPr>
+              <a:t>+</a:t>
+            </a:r>
+            <a:r>
+              <a:rPr lang="" altLang="en-US" b="0">
+                <a:latin typeface="Calibri" charset="0"/>
+                <a:cs typeface="SimSun" charset="0"/>
+              </a:rPr>
+              <a:t>- </a:t>
+            </a:r>
+            <a:r>
+              <a:rPr lang="en-US" b="0">
+                <a:latin typeface="Calibri" charset="0"/>
+                <a:cs typeface="SimSun" charset="0"/>
+              </a:rPr>
+              <a:t>Internal Network Cards</a:t>
+            </a:r>
+            <a:endParaRPr lang="en-US" b="0">
+              <a:latin typeface="Calibri" charset="0"/>
+              <a:cs typeface="SimSun" charset="0"/>
+            </a:endParaRPr>
+          </a:p>
+          <a:p>
+            <a:pPr indent="0">
+              <a:buNone/>
+            </a:pPr>
+            <a:r>
+              <a:rPr lang="en-US" b="0">
+                <a:latin typeface="Calibri" charset="0"/>
+                <a:cs typeface="SimSun" charset="0"/>
+              </a:rPr>
+              <a:t>+</a:t>
+            </a:r>
+            <a:r>
+              <a:rPr lang="" altLang="en-US" b="0">
+                <a:latin typeface="Calibri" charset="0"/>
+                <a:cs typeface="SimSun" charset="0"/>
+              </a:rPr>
+              <a:t>- </a:t>
+            </a:r>
+            <a:r>
+              <a:rPr lang="en-US" b="0">
+                <a:latin typeface="Calibri" charset="0"/>
+                <a:cs typeface="SimSun" charset="0"/>
+              </a:rPr>
+              <a:t>External Network Cards</a:t>
+            </a:r>
+            <a:endParaRPr lang="en-US"/>
+          </a:p>
+        </p:txBody>
+      </p:sp>
+      <p:pic>
+        <p:nvPicPr>
+          <p:cNvPr id="2" name="Picture 1"/>
+          <p:cNvPicPr>
+            <a:picLocks noChangeAspect="1"/>
+          </p:cNvPicPr>
+          <p:nvPr/>
+        </p:nvPicPr>
+        <p:blipFill>
+          <a:blip r:embed="rId4">
+            <a:clrChange>
+              <a:clrFrom>
+                <a:srgbClr val="FFFFFF">
+                  <a:alpha val="100000"/>
+                </a:srgbClr>
+              </a:clrFrom>
+              <a:clrTo>
+                <a:srgbClr val="FFFFFF">
+                  <a:alpha val="100000"/>
+                  <a:alpha val="0"/>
+                </a:srgbClr>
+              </a:clrTo>
+            </a:clrChange>
+            <a:lum bright="-6000"/>
+          </a:blip>
+          <a:stretch>
+            <a:fillRect/>
+          </a:stretch>
+        </p:blipFill>
+        <p:spPr>
+          <a:xfrm>
+            <a:off x="4950460" y="1970405"/>
+            <a:ext cx="6303010" cy="3566795"/>
+          </a:xfrm>
+          <a:prstGeom prst="rect">
+            <a:avLst/>
+          </a:prstGeom>
+        </p:spPr>
+      </p:pic>
     </p:spTree>
   </p:cSld>
   <p:clrMapOvr>
@@ -3956,6 +4154,2318 @@
 </file>
 
 <file path=ppt/slides/slide3.xml><?xml version="1.0" encoding="utf-8"?>
+<p:sld xmlns:a="http://schemas.openxmlformats.org/drawingml/2006/main" xmlns:r="http://schemas.openxmlformats.org/officeDocument/2006/relationships" xmlns:p="http://schemas.openxmlformats.org/presentationml/2006/main">
+  <p:cSld>
+    <p:bg>
+      <p:bgPr>
+        <a:gradFill>
+          <a:gsLst>
+            <a:gs pos="94000">
+              <a:srgbClr val="54782E">
+                <a:alpha val="100000"/>
+              </a:srgbClr>
+            </a:gs>
+            <a:gs pos="99000">
+              <a:srgbClr val="557A2F">
+                <a:alpha val="100000"/>
+              </a:srgbClr>
+            </a:gs>
+            <a:gs pos="99000">
+              <a:srgbClr val="577D30">
+                <a:alpha val="100000"/>
+              </a:srgbClr>
+            </a:gs>
+            <a:gs pos="98000">
+              <a:srgbClr val="5C8433">
+                <a:alpha val="100000"/>
+              </a:srgbClr>
+            </a:gs>
+            <a:gs pos="96000">
+              <a:srgbClr val="659138">
+                <a:alpha val="100000"/>
+              </a:srgbClr>
+            </a:gs>
+            <a:gs pos="92000">
+              <a:srgbClr val="78AC42">
+                <a:alpha val="100000"/>
+              </a:srgbClr>
+            </a:gs>
+            <a:gs pos="42000">
+              <a:schemeClr val="bg1"/>
+            </a:gs>
+            <a:gs pos="100000">
+              <a:srgbClr val="52762D"/>
+            </a:gs>
+          </a:gsLst>
+          <a:lin ang="2700000" scaled="0"/>
+        </a:gradFill>
+        <a:effectLst/>
+      </p:bgPr>
+    </p:bg>
+    <p:spTree>
+      <p:nvGrpSpPr>
+        <p:cNvPr id="1" name=""/>
+        <p:cNvGrpSpPr/>
+        <p:nvPr/>
+      </p:nvGrpSpPr>
+      <p:grpSpPr/>
+      <p:pic>
+        <p:nvPicPr>
+          <p:cNvPr id="5" name="Picture 4" descr="United TrusT Logo"/>
+          <p:cNvPicPr>
+            <a:picLocks noChangeAspect="1"/>
+          </p:cNvPicPr>
+          <p:nvPr/>
+        </p:nvPicPr>
+        <p:blipFill>
+          <a:blip r:embed="rId1"/>
+          <a:stretch>
+            <a:fillRect/>
+          </a:stretch>
+        </p:blipFill>
+        <p:spPr>
+          <a:xfrm>
+            <a:off x="108585" y="6128385"/>
+            <a:ext cx="1650365" cy="634365"/>
+          </a:xfrm>
+          <a:prstGeom prst="rect">
+            <a:avLst/>
+          </a:prstGeom>
+        </p:spPr>
+      </p:pic>
+      <p:pic>
+        <p:nvPicPr>
+          <p:cNvPr id="6" name="Picture 5" descr="bdedu_logo"/>
+          <p:cNvPicPr>
+            <a:picLocks noChangeAspect="1"/>
+          </p:cNvPicPr>
+          <p:nvPr/>
+        </p:nvPicPr>
+        <p:blipFill>
+          <a:blip r:embed="rId2"/>
+          <a:stretch>
+            <a:fillRect/>
+          </a:stretch>
+        </p:blipFill>
+        <p:spPr>
+          <a:xfrm>
+            <a:off x="9440545" y="6061710"/>
+            <a:ext cx="2693670" cy="701040"/>
+          </a:xfrm>
+          <a:prstGeom prst="rect">
+            <a:avLst/>
+          </a:prstGeom>
+        </p:spPr>
+      </p:pic>
+      <p:sp>
+        <p:nvSpPr>
+          <p:cNvPr id="10" name="Freeform 9"/>
+          <p:cNvSpPr/>
+          <p:nvPr/>
+        </p:nvSpPr>
+        <p:spPr>
+          <a:xfrm>
+            <a:off x="2205990" y="283845"/>
+            <a:ext cx="9353550" cy="1162050"/>
+          </a:xfrm>
+          <a:custGeom>
+            <a:avLst/>
+            <a:gdLst>
+              <a:gd name="connsiteX0" fmla="*/ 0 w 14730"/>
+              <a:gd name="connsiteY0" fmla="*/ 0 h 1830"/>
+              <a:gd name="connsiteX1" fmla="*/ 13869 w 14730"/>
+              <a:gd name="connsiteY1" fmla="*/ 60 h 1830"/>
+              <a:gd name="connsiteX2" fmla="*/ 14730 w 14730"/>
+              <a:gd name="connsiteY2" fmla="*/ 1830 h 1830"/>
+              <a:gd name="connsiteX3" fmla="*/ 0 w 14730"/>
+              <a:gd name="connsiteY3" fmla="*/ 1830 h 1830"/>
+              <a:gd name="connsiteX4" fmla="*/ 0 w 14730"/>
+              <a:gd name="connsiteY4" fmla="*/ 0 h 1830"/>
+            </a:gdLst>
+            <a:ahLst/>
+            <a:cxnLst>
+              <a:cxn ang="0">
+                <a:pos x="connsiteX0" y="connsiteY0"/>
+              </a:cxn>
+              <a:cxn ang="0">
+                <a:pos x="connsiteX1" y="connsiteY1"/>
+              </a:cxn>
+              <a:cxn ang="0">
+                <a:pos x="connsiteX2" y="connsiteY2"/>
+              </a:cxn>
+              <a:cxn ang="0">
+                <a:pos x="connsiteX3" y="connsiteY3"/>
+              </a:cxn>
+              <a:cxn ang="0">
+                <a:pos x="connsiteX4" y="connsiteY4"/>
+              </a:cxn>
+            </a:cxnLst>
+            <a:rect l="l" t="t" r="r" b="b"/>
+            <a:pathLst>
+              <a:path w="14730" h="1830">
+                <a:moveTo>
+                  <a:pt x="0" y="0"/>
+                </a:moveTo>
+                <a:lnTo>
+                  <a:pt x="13869" y="60"/>
+                </a:lnTo>
+                <a:lnTo>
+                  <a:pt x="14730" y="1830"/>
+                </a:lnTo>
+                <a:lnTo>
+                  <a:pt x="0" y="1830"/>
+                </a:lnTo>
+                <a:lnTo>
+                  <a:pt x="0" y="0"/>
+                </a:lnTo>
+                <a:close/>
+              </a:path>
+            </a:pathLst>
+          </a:custGeom>
+          <a:gradFill>
+            <a:gsLst>
+              <a:gs pos="80000">
+                <a:srgbClr val="92D050"/>
+              </a:gs>
+              <a:gs pos="100000">
+                <a:schemeClr val="accent1">
+                  <a:lumMod val="30000"/>
+                  <a:lumOff val="70000"/>
+                </a:schemeClr>
+              </a:gs>
+            </a:gsLst>
+            <a:path path="rect">
+              <a:fillToRect l="50000" t="50000" r="50000" b="50000"/>
+            </a:path>
+            <a:tileRect/>
+          </a:gradFill>
+          <a:ln>
+            <a:solidFill>
+              <a:schemeClr val="bg1">
+                <a:alpha val="88000"/>
+              </a:schemeClr>
+            </a:solidFill>
+          </a:ln>
+        </p:spPr>
+        <p:style>
+          <a:lnRef idx="2">
+            <a:schemeClr val="accent1">
+              <a:shade val="50000"/>
+            </a:schemeClr>
+          </a:lnRef>
+          <a:fillRef idx="1">
+            <a:schemeClr val="accent1"/>
+          </a:fillRef>
+          <a:effectRef idx="0">
+            <a:schemeClr val="accent1"/>
+          </a:effectRef>
+          <a:fontRef idx="minor">
+            <a:schemeClr val="lt1"/>
+          </a:fontRef>
+        </p:style>
+        <p:txBody>
+          <a:bodyPr rtlCol="0" anchor="ctr"/>
+          <a:p>
+            <a:pPr algn="ctr"/>
+            <a:endParaRPr lang="en-US"/>
+          </a:p>
+        </p:txBody>
+      </p:sp>
+      <p:sp>
+        <p:nvSpPr>
+          <p:cNvPr id="11" name="Text Box 10"/>
+          <p:cNvSpPr txBox="1"/>
+          <p:nvPr/>
+        </p:nvSpPr>
+        <p:spPr>
+          <a:xfrm>
+            <a:off x="2320290" y="316230"/>
+            <a:ext cx="9508490" cy="1322070"/>
+          </a:xfrm>
+          <a:prstGeom prst="rect">
+            <a:avLst/>
+          </a:prstGeom>
+          <a:noFill/>
+        </p:spPr>
+        <p:txBody>
+          <a:bodyPr wrap="square" rtlCol="0">
+            <a:spAutoFit/>
+          </a:bodyPr>
+          <a:p>
+            <a:r>
+              <a:rPr lang="" altLang="en-US" sz="8000">
+                <a:solidFill>
+                  <a:srgbClr val="C6790C"/>
+                </a:solidFill>
+                <a:latin typeface="Uroob" panose="00000800000000000000" charset="0"/>
+                <a:cs typeface="Uroob" panose="00000800000000000000" charset="0"/>
+              </a:rPr>
+              <a:t>         </a:t>
+            </a:r>
+            <a:r>
+              <a:rPr lang="en-US" altLang="en-US" sz="8000">
+                <a:solidFill>
+                  <a:srgbClr val="C6790C"/>
+                </a:solidFill>
+                <a:latin typeface="Uroob" panose="00000800000000000000" charset="0"/>
+                <a:cs typeface="Uroob" panose="00000800000000000000" charset="0"/>
+              </a:rPr>
+              <a:t>Cables</a:t>
+            </a:r>
+            <a:endParaRPr lang="en-US" altLang="en-US" sz="8000">
+              <a:solidFill>
+                <a:srgbClr val="C6790C"/>
+              </a:solidFill>
+              <a:latin typeface="Uroob" panose="00000800000000000000" charset="0"/>
+              <a:cs typeface="Uroob" panose="00000800000000000000" charset="0"/>
+            </a:endParaRPr>
+          </a:p>
+        </p:txBody>
+      </p:sp>
+      <p:pic>
+        <p:nvPicPr>
+          <p:cNvPr id="4" name="Picture 3"/>
+          <p:cNvPicPr>
+            <a:picLocks noChangeAspect="1"/>
+          </p:cNvPicPr>
+          <p:nvPr/>
+        </p:nvPicPr>
+        <p:blipFill>
+          <a:blip r:embed="rId3"/>
+          <a:stretch>
+            <a:fillRect/>
+          </a:stretch>
+        </p:blipFill>
+        <p:spPr>
+          <a:xfrm>
+            <a:off x="108585" y="-53975"/>
+            <a:ext cx="1837055" cy="1837055"/>
+          </a:xfrm>
+          <a:prstGeom prst="rect">
+            <a:avLst/>
+          </a:prstGeom>
+        </p:spPr>
+      </p:pic>
+      <p:sp>
+        <p:nvSpPr>
+          <p:cNvPr id="100" name="Text Box 99"/>
+          <p:cNvSpPr txBox="1"/>
+          <p:nvPr/>
+        </p:nvSpPr>
+        <p:spPr>
+          <a:xfrm>
+            <a:off x="1096010" y="2967673"/>
+            <a:ext cx="5080000" cy="922020"/>
+          </a:xfrm>
+          <a:prstGeom prst="rect">
+            <a:avLst/>
+          </a:prstGeom>
+          <a:noFill/>
+          <a:ln w="9525">
+            <a:noFill/>
+          </a:ln>
+        </p:spPr>
+        <p:txBody>
+          <a:bodyPr>
+            <a:spAutoFit/>
+          </a:bodyPr>
+          <a:p>
+            <a:pPr indent="0">
+              <a:buNone/>
+            </a:pPr>
+            <a:r>
+              <a:rPr lang="en-US" b="0">
+                <a:latin typeface="Calibri" charset="0"/>
+                <a:cs typeface="SimSun" charset="0"/>
+              </a:rPr>
+              <a:t>Network cables are used to connect computers. The most commonly used cable is Category 5 cable RJ-45.</a:t>
+            </a:r>
+            <a:endParaRPr lang="en-US" b="0">
+              <a:latin typeface="Calibri" charset="0"/>
+              <a:cs typeface="SimSun" charset="0"/>
+            </a:endParaRPr>
+          </a:p>
+        </p:txBody>
+      </p:sp>
+      <p:pic>
+        <p:nvPicPr>
+          <p:cNvPr id="3" name="Picture 1" descr="IMG_256"/>
+          <p:cNvPicPr>
+            <a:picLocks noChangeAspect="1"/>
+          </p:cNvPicPr>
+          <p:nvPr/>
+        </p:nvPicPr>
+        <p:blipFill>
+          <a:blip r:embed="rId4">
+            <a:clrChange>
+              <a:clrFrom>
+                <a:srgbClr val="FFFFFF">
+                  <a:alpha val="100000"/>
+                </a:srgbClr>
+              </a:clrFrom>
+              <a:clrTo>
+                <a:srgbClr val="FFFFFF">
+                  <a:alpha val="100000"/>
+                  <a:alpha val="0"/>
+                </a:srgbClr>
+              </a:clrTo>
+            </a:clrChange>
+            <a:lum bright="6000"/>
+          </a:blip>
+          <a:stretch>
+            <a:fillRect/>
+          </a:stretch>
+        </p:blipFill>
+        <p:spPr>
+          <a:xfrm>
+            <a:off x="6502400" y="2021840"/>
+            <a:ext cx="4712335" cy="3806825"/>
+          </a:xfrm>
+          <a:prstGeom prst="rect">
+            <a:avLst/>
+          </a:prstGeom>
+          <a:noFill/>
+          <a:ln w="9525">
+            <a:noFill/>
+          </a:ln>
+        </p:spPr>
+      </p:pic>
+    </p:spTree>
+  </p:cSld>
+  <p:clrMapOvr>
+    <a:masterClrMapping/>
+  </p:clrMapOvr>
+</p:sld>
+</file>
+
+<file path=ppt/slides/slide4.xml><?xml version="1.0" encoding="utf-8"?>
+<p:sld xmlns:a="http://schemas.openxmlformats.org/drawingml/2006/main" xmlns:r="http://schemas.openxmlformats.org/officeDocument/2006/relationships" xmlns:p="http://schemas.openxmlformats.org/presentationml/2006/main">
+  <p:cSld>
+    <p:bg>
+      <p:bgPr>
+        <a:gradFill>
+          <a:gsLst>
+            <a:gs pos="94000">
+              <a:srgbClr val="54782E">
+                <a:alpha val="100000"/>
+              </a:srgbClr>
+            </a:gs>
+            <a:gs pos="99000">
+              <a:srgbClr val="557A2F">
+                <a:alpha val="100000"/>
+              </a:srgbClr>
+            </a:gs>
+            <a:gs pos="99000">
+              <a:srgbClr val="577D30">
+                <a:alpha val="100000"/>
+              </a:srgbClr>
+            </a:gs>
+            <a:gs pos="98000">
+              <a:srgbClr val="5C8433">
+                <a:alpha val="100000"/>
+              </a:srgbClr>
+            </a:gs>
+            <a:gs pos="96000">
+              <a:srgbClr val="659138">
+                <a:alpha val="100000"/>
+              </a:srgbClr>
+            </a:gs>
+            <a:gs pos="92000">
+              <a:srgbClr val="78AC42">
+                <a:alpha val="100000"/>
+              </a:srgbClr>
+            </a:gs>
+            <a:gs pos="42000">
+              <a:schemeClr val="bg1"/>
+            </a:gs>
+            <a:gs pos="100000">
+              <a:srgbClr val="52762D"/>
+            </a:gs>
+          </a:gsLst>
+          <a:lin ang="2700000" scaled="0"/>
+        </a:gradFill>
+        <a:effectLst/>
+      </p:bgPr>
+    </p:bg>
+    <p:spTree>
+      <p:nvGrpSpPr>
+        <p:cNvPr id="1" name=""/>
+        <p:cNvGrpSpPr/>
+        <p:nvPr/>
+      </p:nvGrpSpPr>
+      <p:grpSpPr/>
+      <p:pic>
+        <p:nvPicPr>
+          <p:cNvPr id="5" name="Picture 4" descr="United TrusT Logo"/>
+          <p:cNvPicPr>
+            <a:picLocks noChangeAspect="1"/>
+          </p:cNvPicPr>
+          <p:nvPr/>
+        </p:nvPicPr>
+        <p:blipFill>
+          <a:blip r:embed="rId1"/>
+          <a:stretch>
+            <a:fillRect/>
+          </a:stretch>
+        </p:blipFill>
+        <p:spPr>
+          <a:xfrm>
+            <a:off x="108585" y="6128385"/>
+            <a:ext cx="1650365" cy="634365"/>
+          </a:xfrm>
+          <a:prstGeom prst="rect">
+            <a:avLst/>
+          </a:prstGeom>
+        </p:spPr>
+      </p:pic>
+      <p:pic>
+        <p:nvPicPr>
+          <p:cNvPr id="6" name="Picture 5" descr="bdedu_logo"/>
+          <p:cNvPicPr>
+            <a:picLocks noChangeAspect="1"/>
+          </p:cNvPicPr>
+          <p:nvPr/>
+        </p:nvPicPr>
+        <p:blipFill>
+          <a:blip r:embed="rId2"/>
+          <a:stretch>
+            <a:fillRect/>
+          </a:stretch>
+        </p:blipFill>
+        <p:spPr>
+          <a:xfrm>
+            <a:off x="9440545" y="6061710"/>
+            <a:ext cx="2693670" cy="701040"/>
+          </a:xfrm>
+          <a:prstGeom prst="rect">
+            <a:avLst/>
+          </a:prstGeom>
+        </p:spPr>
+      </p:pic>
+      <p:sp>
+        <p:nvSpPr>
+          <p:cNvPr id="10" name="Freeform 9"/>
+          <p:cNvSpPr/>
+          <p:nvPr/>
+        </p:nvSpPr>
+        <p:spPr>
+          <a:xfrm>
+            <a:off x="2205990" y="283845"/>
+            <a:ext cx="9353550" cy="1162050"/>
+          </a:xfrm>
+          <a:custGeom>
+            <a:avLst/>
+            <a:gdLst>
+              <a:gd name="connsiteX0" fmla="*/ 0 w 14730"/>
+              <a:gd name="connsiteY0" fmla="*/ 0 h 1830"/>
+              <a:gd name="connsiteX1" fmla="*/ 13869 w 14730"/>
+              <a:gd name="connsiteY1" fmla="*/ 60 h 1830"/>
+              <a:gd name="connsiteX2" fmla="*/ 14730 w 14730"/>
+              <a:gd name="connsiteY2" fmla="*/ 1830 h 1830"/>
+              <a:gd name="connsiteX3" fmla="*/ 0 w 14730"/>
+              <a:gd name="connsiteY3" fmla="*/ 1830 h 1830"/>
+              <a:gd name="connsiteX4" fmla="*/ 0 w 14730"/>
+              <a:gd name="connsiteY4" fmla="*/ 0 h 1830"/>
+            </a:gdLst>
+            <a:ahLst/>
+            <a:cxnLst>
+              <a:cxn ang="0">
+                <a:pos x="connsiteX0" y="connsiteY0"/>
+              </a:cxn>
+              <a:cxn ang="0">
+                <a:pos x="connsiteX1" y="connsiteY1"/>
+              </a:cxn>
+              <a:cxn ang="0">
+                <a:pos x="connsiteX2" y="connsiteY2"/>
+              </a:cxn>
+              <a:cxn ang="0">
+                <a:pos x="connsiteX3" y="connsiteY3"/>
+              </a:cxn>
+              <a:cxn ang="0">
+                <a:pos x="connsiteX4" y="connsiteY4"/>
+              </a:cxn>
+            </a:cxnLst>
+            <a:rect l="l" t="t" r="r" b="b"/>
+            <a:pathLst>
+              <a:path w="14730" h="1830">
+                <a:moveTo>
+                  <a:pt x="0" y="0"/>
+                </a:moveTo>
+                <a:lnTo>
+                  <a:pt x="13869" y="60"/>
+                </a:lnTo>
+                <a:lnTo>
+                  <a:pt x="14730" y="1830"/>
+                </a:lnTo>
+                <a:lnTo>
+                  <a:pt x="0" y="1830"/>
+                </a:lnTo>
+                <a:lnTo>
+                  <a:pt x="0" y="0"/>
+                </a:lnTo>
+                <a:close/>
+              </a:path>
+            </a:pathLst>
+          </a:custGeom>
+          <a:gradFill>
+            <a:gsLst>
+              <a:gs pos="80000">
+                <a:srgbClr val="92D050"/>
+              </a:gs>
+              <a:gs pos="100000">
+                <a:schemeClr val="accent1">
+                  <a:lumMod val="30000"/>
+                  <a:lumOff val="70000"/>
+                </a:schemeClr>
+              </a:gs>
+            </a:gsLst>
+            <a:path path="rect">
+              <a:fillToRect l="50000" t="50000" r="50000" b="50000"/>
+            </a:path>
+            <a:tileRect/>
+          </a:gradFill>
+          <a:ln>
+            <a:solidFill>
+              <a:schemeClr val="bg1">
+                <a:alpha val="88000"/>
+              </a:schemeClr>
+            </a:solidFill>
+          </a:ln>
+        </p:spPr>
+        <p:style>
+          <a:lnRef idx="2">
+            <a:schemeClr val="accent1">
+              <a:shade val="50000"/>
+            </a:schemeClr>
+          </a:lnRef>
+          <a:fillRef idx="1">
+            <a:schemeClr val="accent1"/>
+          </a:fillRef>
+          <a:effectRef idx="0">
+            <a:schemeClr val="accent1"/>
+          </a:effectRef>
+          <a:fontRef idx="minor">
+            <a:schemeClr val="lt1"/>
+          </a:fontRef>
+        </p:style>
+        <p:txBody>
+          <a:bodyPr rtlCol="0" anchor="ctr"/>
+          <a:p>
+            <a:pPr algn="ctr"/>
+            <a:endParaRPr lang="en-US"/>
+          </a:p>
+        </p:txBody>
+      </p:sp>
+      <p:sp>
+        <p:nvSpPr>
+          <p:cNvPr id="11" name="Text Box 10"/>
+          <p:cNvSpPr txBox="1"/>
+          <p:nvPr/>
+        </p:nvSpPr>
+        <p:spPr>
+          <a:xfrm>
+            <a:off x="2320290" y="316230"/>
+            <a:ext cx="9508490" cy="1322070"/>
+          </a:xfrm>
+          <a:prstGeom prst="rect">
+            <a:avLst/>
+          </a:prstGeom>
+          <a:noFill/>
+        </p:spPr>
+        <p:txBody>
+          <a:bodyPr wrap="square" rtlCol="0">
+            <a:spAutoFit/>
+          </a:bodyPr>
+          <a:p>
+            <a:r>
+              <a:rPr lang="" altLang="en-US" sz="8000">
+                <a:solidFill>
+                  <a:srgbClr val="C6790C"/>
+                </a:solidFill>
+                <a:latin typeface="Uroob" panose="00000800000000000000" charset="0"/>
+                <a:cs typeface="Uroob" panose="00000800000000000000" charset="0"/>
+              </a:rPr>
+              <a:t>        </a:t>
+            </a:r>
+            <a:r>
+              <a:rPr lang="en-US" altLang="en-US" sz="8000">
+                <a:solidFill>
+                  <a:srgbClr val="C6790C"/>
+                </a:solidFill>
+                <a:latin typeface="Uroob" panose="00000800000000000000" charset="0"/>
+                <a:cs typeface="Uroob" panose="00000800000000000000" charset="0"/>
+              </a:rPr>
+              <a:t>Distributors</a:t>
+            </a:r>
+            <a:endParaRPr lang="en-US" altLang="en-US" sz="8000">
+              <a:solidFill>
+                <a:srgbClr val="C6790C"/>
+              </a:solidFill>
+              <a:latin typeface="Uroob" panose="00000800000000000000" charset="0"/>
+              <a:cs typeface="Uroob" panose="00000800000000000000" charset="0"/>
+            </a:endParaRPr>
+          </a:p>
+        </p:txBody>
+      </p:sp>
+      <p:pic>
+        <p:nvPicPr>
+          <p:cNvPr id="4" name="Picture 3"/>
+          <p:cNvPicPr>
+            <a:picLocks noChangeAspect="1"/>
+          </p:cNvPicPr>
+          <p:nvPr/>
+        </p:nvPicPr>
+        <p:blipFill>
+          <a:blip r:embed="rId3"/>
+          <a:stretch>
+            <a:fillRect/>
+          </a:stretch>
+        </p:blipFill>
+        <p:spPr>
+          <a:xfrm>
+            <a:off x="108585" y="-53975"/>
+            <a:ext cx="1837055" cy="1837055"/>
+          </a:xfrm>
+          <a:prstGeom prst="rect">
+            <a:avLst/>
+          </a:prstGeom>
+        </p:spPr>
+      </p:pic>
+      <p:sp>
+        <p:nvSpPr>
+          <p:cNvPr id="100" name="Text Box 99"/>
+          <p:cNvSpPr txBox="1"/>
+          <p:nvPr/>
+        </p:nvSpPr>
+        <p:spPr>
+          <a:xfrm>
+            <a:off x="1096010" y="2967673"/>
+            <a:ext cx="5080000" cy="922020"/>
+          </a:xfrm>
+          <a:prstGeom prst="rect">
+            <a:avLst/>
+          </a:prstGeom>
+          <a:noFill/>
+          <a:ln w="9525">
+            <a:noFill/>
+          </a:ln>
+        </p:spPr>
+        <p:txBody>
+          <a:bodyPr>
+            <a:spAutoFit/>
+          </a:bodyPr>
+          <a:p>
+            <a:pPr indent="0">
+              <a:buNone/>
+            </a:pPr>
+            <a:r>
+              <a:rPr lang="en-US" b="0">
+                <a:latin typeface="Calibri" charset="0"/>
+                <a:cs typeface="SimSun" charset="0"/>
+              </a:rPr>
+              <a:t>Network cables are used to connect computers. The most commonly used cable is Category 5 cable RJ-45.</a:t>
+            </a:r>
+            <a:endParaRPr lang="en-US" b="0">
+              <a:latin typeface="Calibri" charset="0"/>
+              <a:cs typeface="SimSun" charset="0"/>
+            </a:endParaRPr>
+          </a:p>
+        </p:txBody>
+      </p:sp>
+      <p:pic>
+        <p:nvPicPr>
+          <p:cNvPr id="3" name="Picture 1" descr="IMG_256"/>
+          <p:cNvPicPr>
+            <a:picLocks noChangeAspect="1"/>
+          </p:cNvPicPr>
+          <p:nvPr/>
+        </p:nvPicPr>
+        <p:blipFill>
+          <a:blip r:embed="rId4">
+            <a:clrChange>
+              <a:clrFrom>
+                <a:srgbClr val="FFFFFF">
+                  <a:alpha val="100000"/>
+                </a:srgbClr>
+              </a:clrFrom>
+              <a:clrTo>
+                <a:srgbClr val="FFFFFF">
+                  <a:alpha val="100000"/>
+                  <a:alpha val="0"/>
+                </a:srgbClr>
+              </a:clrTo>
+            </a:clrChange>
+            <a:lum bright="6000"/>
+          </a:blip>
+          <a:stretch>
+            <a:fillRect/>
+          </a:stretch>
+        </p:blipFill>
+        <p:spPr>
+          <a:xfrm>
+            <a:off x="6502400" y="2021840"/>
+            <a:ext cx="4712335" cy="3806825"/>
+          </a:xfrm>
+          <a:prstGeom prst="rect">
+            <a:avLst/>
+          </a:prstGeom>
+          <a:noFill/>
+          <a:ln w="9525">
+            <a:noFill/>
+          </a:ln>
+        </p:spPr>
+      </p:pic>
+    </p:spTree>
+  </p:cSld>
+  <p:clrMapOvr>
+    <a:masterClrMapping/>
+  </p:clrMapOvr>
+</p:sld>
+</file>
+
+<file path=ppt/slides/slide5.xml><?xml version="1.0" encoding="utf-8"?>
+<p:sld xmlns:a="http://schemas.openxmlformats.org/drawingml/2006/main" xmlns:r="http://schemas.openxmlformats.org/officeDocument/2006/relationships" xmlns:p="http://schemas.openxmlformats.org/presentationml/2006/main">
+  <p:cSld>
+    <p:bg>
+      <p:bgPr>
+        <a:gradFill>
+          <a:gsLst>
+            <a:gs pos="94000">
+              <a:srgbClr val="54782E">
+                <a:alpha val="100000"/>
+              </a:srgbClr>
+            </a:gs>
+            <a:gs pos="99000">
+              <a:srgbClr val="557A2F">
+                <a:alpha val="100000"/>
+              </a:srgbClr>
+            </a:gs>
+            <a:gs pos="99000">
+              <a:srgbClr val="577D30">
+                <a:alpha val="100000"/>
+              </a:srgbClr>
+            </a:gs>
+            <a:gs pos="98000">
+              <a:srgbClr val="5C8433">
+                <a:alpha val="100000"/>
+              </a:srgbClr>
+            </a:gs>
+            <a:gs pos="96000">
+              <a:srgbClr val="659138">
+                <a:alpha val="100000"/>
+              </a:srgbClr>
+            </a:gs>
+            <a:gs pos="92000">
+              <a:srgbClr val="78AC42">
+                <a:alpha val="100000"/>
+              </a:srgbClr>
+            </a:gs>
+            <a:gs pos="42000">
+              <a:schemeClr val="bg1"/>
+            </a:gs>
+            <a:gs pos="100000">
+              <a:srgbClr val="52762D"/>
+            </a:gs>
+          </a:gsLst>
+          <a:lin ang="2700000" scaled="0"/>
+        </a:gradFill>
+        <a:effectLst/>
+      </p:bgPr>
+    </p:bg>
+    <p:spTree>
+      <p:nvGrpSpPr>
+        <p:cNvPr id="1" name=""/>
+        <p:cNvGrpSpPr/>
+        <p:nvPr/>
+      </p:nvGrpSpPr>
+      <p:grpSpPr/>
+      <p:pic>
+        <p:nvPicPr>
+          <p:cNvPr id="5" name="Picture 4" descr="United TrusT Logo"/>
+          <p:cNvPicPr>
+            <a:picLocks noChangeAspect="1"/>
+          </p:cNvPicPr>
+          <p:nvPr/>
+        </p:nvPicPr>
+        <p:blipFill>
+          <a:blip r:embed="rId1"/>
+          <a:stretch>
+            <a:fillRect/>
+          </a:stretch>
+        </p:blipFill>
+        <p:spPr>
+          <a:xfrm>
+            <a:off x="108585" y="6128385"/>
+            <a:ext cx="1650365" cy="634365"/>
+          </a:xfrm>
+          <a:prstGeom prst="rect">
+            <a:avLst/>
+          </a:prstGeom>
+        </p:spPr>
+      </p:pic>
+      <p:pic>
+        <p:nvPicPr>
+          <p:cNvPr id="6" name="Picture 5" descr="bdedu_logo"/>
+          <p:cNvPicPr>
+            <a:picLocks noChangeAspect="1"/>
+          </p:cNvPicPr>
+          <p:nvPr/>
+        </p:nvPicPr>
+        <p:blipFill>
+          <a:blip r:embed="rId2"/>
+          <a:stretch>
+            <a:fillRect/>
+          </a:stretch>
+        </p:blipFill>
+        <p:spPr>
+          <a:xfrm>
+            <a:off x="9440545" y="6061710"/>
+            <a:ext cx="2693670" cy="701040"/>
+          </a:xfrm>
+          <a:prstGeom prst="rect">
+            <a:avLst/>
+          </a:prstGeom>
+        </p:spPr>
+      </p:pic>
+      <p:sp>
+        <p:nvSpPr>
+          <p:cNvPr id="10" name="Freeform 9"/>
+          <p:cNvSpPr/>
+          <p:nvPr/>
+        </p:nvSpPr>
+        <p:spPr>
+          <a:xfrm>
+            <a:off x="2205990" y="283845"/>
+            <a:ext cx="9353550" cy="1162050"/>
+          </a:xfrm>
+          <a:custGeom>
+            <a:avLst/>
+            <a:gdLst>
+              <a:gd name="connsiteX0" fmla="*/ 0 w 14730"/>
+              <a:gd name="connsiteY0" fmla="*/ 0 h 1830"/>
+              <a:gd name="connsiteX1" fmla="*/ 13869 w 14730"/>
+              <a:gd name="connsiteY1" fmla="*/ 60 h 1830"/>
+              <a:gd name="connsiteX2" fmla="*/ 14730 w 14730"/>
+              <a:gd name="connsiteY2" fmla="*/ 1830 h 1830"/>
+              <a:gd name="connsiteX3" fmla="*/ 0 w 14730"/>
+              <a:gd name="connsiteY3" fmla="*/ 1830 h 1830"/>
+              <a:gd name="connsiteX4" fmla="*/ 0 w 14730"/>
+              <a:gd name="connsiteY4" fmla="*/ 0 h 1830"/>
+            </a:gdLst>
+            <a:ahLst/>
+            <a:cxnLst>
+              <a:cxn ang="0">
+                <a:pos x="connsiteX0" y="connsiteY0"/>
+              </a:cxn>
+              <a:cxn ang="0">
+                <a:pos x="connsiteX1" y="connsiteY1"/>
+              </a:cxn>
+              <a:cxn ang="0">
+                <a:pos x="connsiteX2" y="connsiteY2"/>
+              </a:cxn>
+              <a:cxn ang="0">
+                <a:pos x="connsiteX3" y="connsiteY3"/>
+              </a:cxn>
+              <a:cxn ang="0">
+                <a:pos x="connsiteX4" y="connsiteY4"/>
+              </a:cxn>
+            </a:cxnLst>
+            <a:rect l="l" t="t" r="r" b="b"/>
+            <a:pathLst>
+              <a:path w="14730" h="1830">
+                <a:moveTo>
+                  <a:pt x="0" y="0"/>
+                </a:moveTo>
+                <a:lnTo>
+                  <a:pt x="13869" y="60"/>
+                </a:lnTo>
+                <a:lnTo>
+                  <a:pt x="14730" y="1830"/>
+                </a:lnTo>
+                <a:lnTo>
+                  <a:pt x="0" y="1830"/>
+                </a:lnTo>
+                <a:lnTo>
+                  <a:pt x="0" y="0"/>
+                </a:lnTo>
+                <a:close/>
+              </a:path>
+            </a:pathLst>
+          </a:custGeom>
+          <a:gradFill>
+            <a:gsLst>
+              <a:gs pos="80000">
+                <a:srgbClr val="92D050"/>
+              </a:gs>
+              <a:gs pos="100000">
+                <a:schemeClr val="accent1">
+                  <a:lumMod val="30000"/>
+                  <a:lumOff val="70000"/>
+                </a:schemeClr>
+              </a:gs>
+            </a:gsLst>
+            <a:path path="rect">
+              <a:fillToRect l="50000" t="50000" r="50000" b="50000"/>
+            </a:path>
+            <a:tileRect/>
+          </a:gradFill>
+          <a:ln>
+            <a:solidFill>
+              <a:schemeClr val="bg1">
+                <a:alpha val="88000"/>
+              </a:schemeClr>
+            </a:solidFill>
+          </a:ln>
+        </p:spPr>
+        <p:style>
+          <a:lnRef idx="2">
+            <a:schemeClr val="accent1">
+              <a:shade val="50000"/>
+            </a:schemeClr>
+          </a:lnRef>
+          <a:fillRef idx="1">
+            <a:schemeClr val="accent1"/>
+          </a:fillRef>
+          <a:effectRef idx="0">
+            <a:schemeClr val="accent1"/>
+          </a:effectRef>
+          <a:fontRef idx="minor">
+            <a:schemeClr val="lt1"/>
+          </a:fontRef>
+        </p:style>
+        <p:txBody>
+          <a:bodyPr rtlCol="0" anchor="ctr"/>
+          <a:p>
+            <a:pPr algn="ctr"/>
+            <a:endParaRPr lang="en-US"/>
+          </a:p>
+        </p:txBody>
+      </p:sp>
+      <p:sp>
+        <p:nvSpPr>
+          <p:cNvPr id="11" name="Text Box 10"/>
+          <p:cNvSpPr txBox="1"/>
+          <p:nvPr/>
+        </p:nvSpPr>
+        <p:spPr>
+          <a:xfrm>
+            <a:off x="2320290" y="316230"/>
+            <a:ext cx="9508490" cy="1322070"/>
+          </a:xfrm>
+          <a:prstGeom prst="rect">
+            <a:avLst/>
+          </a:prstGeom>
+          <a:noFill/>
+        </p:spPr>
+        <p:txBody>
+          <a:bodyPr wrap="square" rtlCol="0">
+            <a:spAutoFit/>
+          </a:bodyPr>
+          <a:p>
+            <a:r>
+              <a:rPr lang="en-US" altLang="en-US" sz="8000">
+                <a:solidFill>
+                  <a:srgbClr val="C6790C"/>
+                </a:solidFill>
+                <a:latin typeface="Uroob" panose="00000800000000000000" charset="0"/>
+                <a:cs typeface="Uroob" panose="00000800000000000000" charset="0"/>
+              </a:rPr>
+              <a:t>        Router</a:t>
+            </a:r>
+            <a:endParaRPr lang="en-US" altLang="en-US" sz="8000">
+              <a:solidFill>
+                <a:srgbClr val="C6790C"/>
+              </a:solidFill>
+              <a:latin typeface="Uroob" panose="00000800000000000000" charset="0"/>
+              <a:cs typeface="Uroob" panose="00000800000000000000" charset="0"/>
+            </a:endParaRPr>
+          </a:p>
+        </p:txBody>
+      </p:sp>
+      <p:pic>
+        <p:nvPicPr>
+          <p:cNvPr id="4" name="Picture 3"/>
+          <p:cNvPicPr>
+            <a:picLocks noChangeAspect="1"/>
+          </p:cNvPicPr>
+          <p:nvPr/>
+        </p:nvPicPr>
+        <p:blipFill>
+          <a:blip r:embed="rId3"/>
+          <a:stretch>
+            <a:fillRect/>
+          </a:stretch>
+        </p:blipFill>
+        <p:spPr>
+          <a:xfrm>
+            <a:off x="108585" y="-53975"/>
+            <a:ext cx="1837055" cy="1837055"/>
+          </a:xfrm>
+          <a:prstGeom prst="rect">
+            <a:avLst/>
+          </a:prstGeom>
+        </p:spPr>
+      </p:pic>
+      <p:sp>
+        <p:nvSpPr>
+          <p:cNvPr id="100" name="Text Box 99"/>
+          <p:cNvSpPr txBox="1"/>
+          <p:nvPr/>
+        </p:nvSpPr>
+        <p:spPr>
+          <a:xfrm>
+            <a:off x="1096010" y="2967673"/>
+            <a:ext cx="5080000" cy="1198880"/>
+          </a:xfrm>
+          <a:prstGeom prst="rect">
+            <a:avLst/>
+          </a:prstGeom>
+          <a:noFill/>
+          <a:ln w="9525">
+            <a:noFill/>
+          </a:ln>
+        </p:spPr>
+        <p:txBody>
+          <a:bodyPr>
+            <a:spAutoFit/>
+          </a:bodyPr>
+          <a:p>
+            <a:pPr indent="0">
+              <a:buNone/>
+            </a:pPr>
+            <a:r>
+              <a:rPr lang="en-US" b="0">
+                <a:latin typeface="Calibri" charset="0"/>
+                <a:cs typeface="SimSun" charset="0"/>
+              </a:rPr>
+              <a:t>A router is a type of device which acts as the central point among computers and other devices that are a part of the network.</a:t>
+            </a:r>
+            <a:endParaRPr lang="en-US" b="0">
+              <a:latin typeface="Calibri" charset="0"/>
+              <a:cs typeface="SimSun" charset="0"/>
+            </a:endParaRPr>
+          </a:p>
+        </p:txBody>
+      </p:sp>
+      <p:pic>
+        <p:nvPicPr>
+          <p:cNvPr id="7" name="Picture 3" descr="IMG_258"/>
+          <p:cNvPicPr>
+            <a:picLocks noChangeAspect="1"/>
+          </p:cNvPicPr>
+          <p:nvPr/>
+        </p:nvPicPr>
+        <p:blipFill>
+          <a:blip r:embed="rId4">
+            <a:clrChange>
+              <a:clrFrom>
+                <a:srgbClr val="FEFEFE">
+                  <a:alpha val="100000"/>
+                </a:srgbClr>
+              </a:clrFrom>
+              <a:clrTo>
+                <a:srgbClr val="FEFEFE">
+                  <a:alpha val="100000"/>
+                  <a:alpha val="0"/>
+                </a:srgbClr>
+              </a:clrTo>
+            </a:clrChange>
+            <a:lum bright="12000"/>
+          </a:blip>
+          <a:stretch>
+            <a:fillRect/>
+          </a:stretch>
+        </p:blipFill>
+        <p:spPr>
+          <a:xfrm>
+            <a:off x="7025640" y="2020570"/>
+            <a:ext cx="3810000" cy="3810000"/>
+          </a:xfrm>
+          <a:prstGeom prst="rect">
+            <a:avLst/>
+          </a:prstGeom>
+          <a:noFill/>
+          <a:ln w="9525">
+            <a:noFill/>
+          </a:ln>
+        </p:spPr>
+      </p:pic>
+    </p:spTree>
+  </p:cSld>
+  <p:clrMapOvr>
+    <a:masterClrMapping/>
+  </p:clrMapOvr>
+</p:sld>
+</file>
+
+<file path=ppt/slides/slide6.xml><?xml version="1.0" encoding="utf-8"?>
+<p:sld xmlns:a="http://schemas.openxmlformats.org/drawingml/2006/main" xmlns:r="http://schemas.openxmlformats.org/officeDocument/2006/relationships" xmlns:p="http://schemas.openxmlformats.org/presentationml/2006/main">
+  <p:cSld>
+    <p:bg>
+      <p:bgPr>
+        <a:gradFill>
+          <a:gsLst>
+            <a:gs pos="94000">
+              <a:srgbClr val="54782E">
+                <a:alpha val="100000"/>
+              </a:srgbClr>
+            </a:gs>
+            <a:gs pos="99000">
+              <a:srgbClr val="557A2F">
+                <a:alpha val="100000"/>
+              </a:srgbClr>
+            </a:gs>
+            <a:gs pos="99000">
+              <a:srgbClr val="577D30">
+                <a:alpha val="100000"/>
+              </a:srgbClr>
+            </a:gs>
+            <a:gs pos="98000">
+              <a:srgbClr val="5C8433">
+                <a:alpha val="100000"/>
+              </a:srgbClr>
+            </a:gs>
+            <a:gs pos="96000">
+              <a:srgbClr val="659138">
+                <a:alpha val="100000"/>
+              </a:srgbClr>
+            </a:gs>
+            <a:gs pos="92000">
+              <a:srgbClr val="78AC42">
+                <a:alpha val="100000"/>
+              </a:srgbClr>
+            </a:gs>
+            <a:gs pos="42000">
+              <a:schemeClr val="bg1"/>
+            </a:gs>
+            <a:gs pos="100000">
+              <a:srgbClr val="52762D"/>
+            </a:gs>
+          </a:gsLst>
+          <a:lin ang="2700000" scaled="0"/>
+        </a:gradFill>
+        <a:effectLst/>
+      </p:bgPr>
+    </p:bg>
+    <p:spTree>
+      <p:nvGrpSpPr>
+        <p:cNvPr id="1" name=""/>
+        <p:cNvGrpSpPr/>
+        <p:nvPr/>
+      </p:nvGrpSpPr>
+      <p:grpSpPr/>
+      <p:pic>
+        <p:nvPicPr>
+          <p:cNvPr id="5" name="Picture 4" descr="United TrusT Logo"/>
+          <p:cNvPicPr>
+            <a:picLocks noChangeAspect="1"/>
+          </p:cNvPicPr>
+          <p:nvPr/>
+        </p:nvPicPr>
+        <p:blipFill>
+          <a:blip r:embed="rId1"/>
+          <a:stretch>
+            <a:fillRect/>
+          </a:stretch>
+        </p:blipFill>
+        <p:spPr>
+          <a:xfrm>
+            <a:off x="108585" y="6128385"/>
+            <a:ext cx="1650365" cy="634365"/>
+          </a:xfrm>
+          <a:prstGeom prst="rect">
+            <a:avLst/>
+          </a:prstGeom>
+        </p:spPr>
+      </p:pic>
+      <p:pic>
+        <p:nvPicPr>
+          <p:cNvPr id="6" name="Picture 5" descr="bdedu_logo"/>
+          <p:cNvPicPr>
+            <a:picLocks noChangeAspect="1"/>
+          </p:cNvPicPr>
+          <p:nvPr/>
+        </p:nvPicPr>
+        <p:blipFill>
+          <a:blip r:embed="rId2"/>
+          <a:stretch>
+            <a:fillRect/>
+          </a:stretch>
+        </p:blipFill>
+        <p:spPr>
+          <a:xfrm>
+            <a:off x="9440545" y="6061710"/>
+            <a:ext cx="2693670" cy="701040"/>
+          </a:xfrm>
+          <a:prstGeom prst="rect">
+            <a:avLst/>
+          </a:prstGeom>
+        </p:spPr>
+      </p:pic>
+      <p:sp>
+        <p:nvSpPr>
+          <p:cNvPr id="10" name="Freeform 9"/>
+          <p:cNvSpPr/>
+          <p:nvPr/>
+        </p:nvSpPr>
+        <p:spPr>
+          <a:xfrm>
+            <a:off x="2205990" y="283845"/>
+            <a:ext cx="9353550" cy="1162050"/>
+          </a:xfrm>
+          <a:custGeom>
+            <a:avLst/>
+            <a:gdLst>
+              <a:gd name="connsiteX0" fmla="*/ 0 w 14730"/>
+              <a:gd name="connsiteY0" fmla="*/ 0 h 1830"/>
+              <a:gd name="connsiteX1" fmla="*/ 13869 w 14730"/>
+              <a:gd name="connsiteY1" fmla="*/ 60 h 1830"/>
+              <a:gd name="connsiteX2" fmla="*/ 14730 w 14730"/>
+              <a:gd name="connsiteY2" fmla="*/ 1830 h 1830"/>
+              <a:gd name="connsiteX3" fmla="*/ 0 w 14730"/>
+              <a:gd name="connsiteY3" fmla="*/ 1830 h 1830"/>
+              <a:gd name="connsiteX4" fmla="*/ 0 w 14730"/>
+              <a:gd name="connsiteY4" fmla="*/ 0 h 1830"/>
+            </a:gdLst>
+            <a:ahLst/>
+            <a:cxnLst>
+              <a:cxn ang="0">
+                <a:pos x="connsiteX0" y="connsiteY0"/>
+              </a:cxn>
+              <a:cxn ang="0">
+                <a:pos x="connsiteX1" y="connsiteY1"/>
+              </a:cxn>
+              <a:cxn ang="0">
+                <a:pos x="connsiteX2" y="connsiteY2"/>
+              </a:cxn>
+              <a:cxn ang="0">
+                <a:pos x="connsiteX3" y="connsiteY3"/>
+              </a:cxn>
+              <a:cxn ang="0">
+                <a:pos x="connsiteX4" y="connsiteY4"/>
+              </a:cxn>
+            </a:cxnLst>
+            <a:rect l="l" t="t" r="r" b="b"/>
+            <a:pathLst>
+              <a:path w="14730" h="1830">
+                <a:moveTo>
+                  <a:pt x="0" y="0"/>
+                </a:moveTo>
+                <a:lnTo>
+                  <a:pt x="13869" y="60"/>
+                </a:lnTo>
+                <a:lnTo>
+                  <a:pt x="14730" y="1830"/>
+                </a:lnTo>
+                <a:lnTo>
+                  <a:pt x="0" y="1830"/>
+                </a:lnTo>
+                <a:lnTo>
+                  <a:pt x="0" y="0"/>
+                </a:lnTo>
+                <a:close/>
+              </a:path>
+            </a:pathLst>
+          </a:custGeom>
+          <a:gradFill>
+            <a:gsLst>
+              <a:gs pos="80000">
+                <a:srgbClr val="92D050"/>
+              </a:gs>
+              <a:gs pos="100000">
+                <a:schemeClr val="accent1">
+                  <a:lumMod val="30000"/>
+                  <a:lumOff val="70000"/>
+                </a:schemeClr>
+              </a:gs>
+            </a:gsLst>
+            <a:path path="rect">
+              <a:fillToRect l="50000" t="50000" r="50000" b="50000"/>
+            </a:path>
+            <a:tileRect/>
+          </a:gradFill>
+          <a:ln>
+            <a:solidFill>
+              <a:schemeClr val="bg1">
+                <a:alpha val="88000"/>
+              </a:schemeClr>
+            </a:solidFill>
+          </a:ln>
+        </p:spPr>
+        <p:style>
+          <a:lnRef idx="2">
+            <a:schemeClr val="accent1">
+              <a:shade val="50000"/>
+            </a:schemeClr>
+          </a:lnRef>
+          <a:fillRef idx="1">
+            <a:schemeClr val="accent1"/>
+          </a:fillRef>
+          <a:effectRef idx="0">
+            <a:schemeClr val="accent1"/>
+          </a:effectRef>
+          <a:fontRef idx="minor">
+            <a:schemeClr val="lt1"/>
+          </a:fontRef>
+        </p:style>
+        <p:txBody>
+          <a:bodyPr rtlCol="0" anchor="ctr"/>
+          <a:p>
+            <a:pPr algn="ctr"/>
+            <a:endParaRPr lang="en-US"/>
+          </a:p>
+        </p:txBody>
+      </p:sp>
+      <p:sp>
+        <p:nvSpPr>
+          <p:cNvPr id="11" name="Text Box 10"/>
+          <p:cNvSpPr txBox="1"/>
+          <p:nvPr/>
+        </p:nvSpPr>
+        <p:spPr>
+          <a:xfrm>
+            <a:off x="2320290" y="316230"/>
+            <a:ext cx="9508490" cy="1322070"/>
+          </a:xfrm>
+          <a:prstGeom prst="rect">
+            <a:avLst/>
+          </a:prstGeom>
+          <a:noFill/>
+        </p:spPr>
+        <p:txBody>
+          <a:bodyPr wrap="square" rtlCol="0">
+            <a:spAutoFit/>
+          </a:bodyPr>
+          <a:p>
+            <a:r>
+              <a:rPr lang="en-US" altLang="en-US" sz="8000">
+                <a:solidFill>
+                  <a:srgbClr val="C6790C"/>
+                </a:solidFill>
+                <a:latin typeface="Uroob" panose="00000800000000000000" charset="0"/>
+                <a:cs typeface="Uroob" panose="00000800000000000000" charset="0"/>
+              </a:rPr>
+              <a:t>Internal Network Cards</a:t>
+            </a:r>
+            <a:endParaRPr lang="en-US" altLang="en-US" sz="8000">
+              <a:solidFill>
+                <a:srgbClr val="C6790C"/>
+              </a:solidFill>
+              <a:latin typeface="Uroob" panose="00000800000000000000" charset="0"/>
+              <a:cs typeface="Uroob" panose="00000800000000000000" charset="0"/>
+            </a:endParaRPr>
+          </a:p>
+        </p:txBody>
+      </p:sp>
+      <p:pic>
+        <p:nvPicPr>
+          <p:cNvPr id="4" name="Picture 3"/>
+          <p:cNvPicPr>
+            <a:picLocks noChangeAspect="1"/>
+          </p:cNvPicPr>
+          <p:nvPr/>
+        </p:nvPicPr>
+        <p:blipFill>
+          <a:blip r:embed="rId3"/>
+          <a:stretch>
+            <a:fillRect/>
+          </a:stretch>
+        </p:blipFill>
+        <p:spPr>
+          <a:xfrm>
+            <a:off x="108585" y="-53975"/>
+            <a:ext cx="1837055" cy="1837055"/>
+          </a:xfrm>
+          <a:prstGeom prst="rect">
+            <a:avLst/>
+          </a:prstGeom>
+        </p:spPr>
+      </p:pic>
+      <p:sp>
+        <p:nvSpPr>
+          <p:cNvPr id="100" name="Text Box 99"/>
+          <p:cNvSpPr txBox="1"/>
+          <p:nvPr/>
+        </p:nvSpPr>
+        <p:spPr>
+          <a:xfrm>
+            <a:off x="1096010" y="2967673"/>
+            <a:ext cx="5080000" cy="645160"/>
+          </a:xfrm>
+          <a:prstGeom prst="rect">
+            <a:avLst/>
+          </a:prstGeom>
+          <a:noFill/>
+          <a:ln w="9525">
+            <a:noFill/>
+          </a:ln>
+        </p:spPr>
+        <p:txBody>
+          <a:bodyPr>
+            <a:spAutoFit/>
+          </a:bodyPr>
+          <a:p>
+            <a:pPr indent="0">
+              <a:buNone/>
+            </a:pPr>
+            <a:r>
+              <a:rPr lang="en-US" b="0">
+                <a:latin typeface="Calibri" charset="0"/>
+                <a:cs typeface="SimSun" charset="0"/>
+              </a:rPr>
+              <a:t>Motherboard has a slot for internal network card where it is to be inserted</a:t>
+            </a:r>
+            <a:endParaRPr lang="en-US" b="0">
+              <a:latin typeface="Calibri" charset="0"/>
+              <a:cs typeface="SimSun" charset="0"/>
+            </a:endParaRPr>
+          </a:p>
+        </p:txBody>
+      </p:sp>
+      <p:pic>
+        <p:nvPicPr>
+          <p:cNvPr id="8" name="Picture 4" descr="IMG_259"/>
+          <p:cNvPicPr>
+            <a:picLocks noChangeAspect="1"/>
+          </p:cNvPicPr>
+          <p:nvPr/>
+        </p:nvPicPr>
+        <p:blipFill>
+          <a:blip r:embed="rId4">
+            <a:clrChange>
+              <a:clrFrom>
+                <a:srgbClr val="FFFFFF">
+                  <a:alpha val="100000"/>
+                </a:srgbClr>
+              </a:clrFrom>
+              <a:clrTo>
+                <a:srgbClr val="FFFFFF">
+                  <a:alpha val="100000"/>
+                  <a:alpha val="0"/>
+                </a:srgbClr>
+              </a:clrTo>
+            </a:clrChange>
+          </a:blip>
+          <a:stretch>
+            <a:fillRect/>
+          </a:stretch>
+        </p:blipFill>
+        <p:spPr>
+          <a:xfrm>
+            <a:off x="6567805" y="2327910"/>
+            <a:ext cx="4747895" cy="3169285"/>
+          </a:xfrm>
+          <a:prstGeom prst="rect">
+            <a:avLst/>
+          </a:prstGeom>
+          <a:noFill/>
+          <a:ln w="9525">
+            <a:noFill/>
+          </a:ln>
+        </p:spPr>
+      </p:pic>
+    </p:spTree>
+  </p:cSld>
+  <p:clrMapOvr>
+    <a:masterClrMapping/>
+  </p:clrMapOvr>
+</p:sld>
+</file>
+
+<file path=ppt/slides/slide7.xml><?xml version="1.0" encoding="utf-8"?>
+<p:sld xmlns:a="http://schemas.openxmlformats.org/drawingml/2006/main" xmlns:r="http://schemas.openxmlformats.org/officeDocument/2006/relationships" xmlns:p="http://schemas.openxmlformats.org/presentationml/2006/main">
+  <p:cSld>
+    <p:bg>
+      <p:bgPr>
+        <a:gradFill>
+          <a:gsLst>
+            <a:gs pos="94000">
+              <a:srgbClr val="54782E">
+                <a:alpha val="100000"/>
+              </a:srgbClr>
+            </a:gs>
+            <a:gs pos="99000">
+              <a:srgbClr val="557A2F">
+                <a:alpha val="100000"/>
+              </a:srgbClr>
+            </a:gs>
+            <a:gs pos="99000">
+              <a:srgbClr val="577D30">
+                <a:alpha val="100000"/>
+              </a:srgbClr>
+            </a:gs>
+            <a:gs pos="98000">
+              <a:srgbClr val="5C8433">
+                <a:alpha val="100000"/>
+              </a:srgbClr>
+            </a:gs>
+            <a:gs pos="96000">
+              <a:srgbClr val="659138">
+                <a:alpha val="100000"/>
+              </a:srgbClr>
+            </a:gs>
+            <a:gs pos="92000">
+              <a:srgbClr val="78AC42">
+                <a:alpha val="100000"/>
+              </a:srgbClr>
+            </a:gs>
+            <a:gs pos="42000">
+              <a:schemeClr val="bg1"/>
+            </a:gs>
+            <a:gs pos="100000">
+              <a:srgbClr val="52762D"/>
+            </a:gs>
+          </a:gsLst>
+          <a:lin ang="2700000" scaled="0"/>
+        </a:gradFill>
+        <a:effectLst/>
+      </p:bgPr>
+    </p:bg>
+    <p:spTree>
+      <p:nvGrpSpPr>
+        <p:cNvPr id="1" name=""/>
+        <p:cNvGrpSpPr/>
+        <p:nvPr/>
+      </p:nvGrpSpPr>
+      <p:grpSpPr/>
+      <p:pic>
+        <p:nvPicPr>
+          <p:cNvPr id="5" name="Picture 4" descr="United TrusT Logo"/>
+          <p:cNvPicPr>
+            <a:picLocks noChangeAspect="1"/>
+          </p:cNvPicPr>
+          <p:nvPr/>
+        </p:nvPicPr>
+        <p:blipFill>
+          <a:blip r:embed="rId1"/>
+          <a:stretch>
+            <a:fillRect/>
+          </a:stretch>
+        </p:blipFill>
+        <p:spPr>
+          <a:xfrm>
+            <a:off x="108585" y="6128385"/>
+            <a:ext cx="1650365" cy="634365"/>
+          </a:xfrm>
+          <a:prstGeom prst="rect">
+            <a:avLst/>
+          </a:prstGeom>
+        </p:spPr>
+      </p:pic>
+      <p:pic>
+        <p:nvPicPr>
+          <p:cNvPr id="6" name="Picture 5" descr="bdedu_logo"/>
+          <p:cNvPicPr>
+            <a:picLocks noChangeAspect="1"/>
+          </p:cNvPicPr>
+          <p:nvPr/>
+        </p:nvPicPr>
+        <p:blipFill>
+          <a:blip r:embed="rId2"/>
+          <a:stretch>
+            <a:fillRect/>
+          </a:stretch>
+        </p:blipFill>
+        <p:spPr>
+          <a:xfrm>
+            <a:off x="9440545" y="6061710"/>
+            <a:ext cx="2693670" cy="701040"/>
+          </a:xfrm>
+          <a:prstGeom prst="rect">
+            <a:avLst/>
+          </a:prstGeom>
+        </p:spPr>
+      </p:pic>
+      <p:sp>
+        <p:nvSpPr>
+          <p:cNvPr id="10" name="Freeform 9"/>
+          <p:cNvSpPr/>
+          <p:nvPr/>
+        </p:nvSpPr>
+        <p:spPr>
+          <a:xfrm>
+            <a:off x="2205990" y="283845"/>
+            <a:ext cx="9353550" cy="1162050"/>
+          </a:xfrm>
+          <a:custGeom>
+            <a:avLst/>
+            <a:gdLst>
+              <a:gd name="connsiteX0" fmla="*/ 0 w 14730"/>
+              <a:gd name="connsiteY0" fmla="*/ 0 h 1830"/>
+              <a:gd name="connsiteX1" fmla="*/ 13869 w 14730"/>
+              <a:gd name="connsiteY1" fmla="*/ 60 h 1830"/>
+              <a:gd name="connsiteX2" fmla="*/ 14730 w 14730"/>
+              <a:gd name="connsiteY2" fmla="*/ 1830 h 1830"/>
+              <a:gd name="connsiteX3" fmla="*/ 0 w 14730"/>
+              <a:gd name="connsiteY3" fmla="*/ 1830 h 1830"/>
+              <a:gd name="connsiteX4" fmla="*/ 0 w 14730"/>
+              <a:gd name="connsiteY4" fmla="*/ 0 h 1830"/>
+            </a:gdLst>
+            <a:ahLst/>
+            <a:cxnLst>
+              <a:cxn ang="0">
+                <a:pos x="connsiteX0" y="connsiteY0"/>
+              </a:cxn>
+              <a:cxn ang="0">
+                <a:pos x="connsiteX1" y="connsiteY1"/>
+              </a:cxn>
+              <a:cxn ang="0">
+                <a:pos x="connsiteX2" y="connsiteY2"/>
+              </a:cxn>
+              <a:cxn ang="0">
+                <a:pos x="connsiteX3" y="connsiteY3"/>
+              </a:cxn>
+              <a:cxn ang="0">
+                <a:pos x="connsiteX4" y="connsiteY4"/>
+              </a:cxn>
+            </a:cxnLst>
+            <a:rect l="l" t="t" r="r" b="b"/>
+            <a:pathLst>
+              <a:path w="14730" h="1830">
+                <a:moveTo>
+                  <a:pt x="0" y="0"/>
+                </a:moveTo>
+                <a:lnTo>
+                  <a:pt x="13869" y="60"/>
+                </a:lnTo>
+                <a:lnTo>
+                  <a:pt x="14730" y="1830"/>
+                </a:lnTo>
+                <a:lnTo>
+                  <a:pt x="0" y="1830"/>
+                </a:lnTo>
+                <a:lnTo>
+                  <a:pt x="0" y="0"/>
+                </a:lnTo>
+                <a:close/>
+              </a:path>
+            </a:pathLst>
+          </a:custGeom>
+          <a:gradFill>
+            <a:gsLst>
+              <a:gs pos="80000">
+                <a:srgbClr val="92D050"/>
+              </a:gs>
+              <a:gs pos="100000">
+                <a:schemeClr val="accent1">
+                  <a:lumMod val="30000"/>
+                  <a:lumOff val="70000"/>
+                </a:schemeClr>
+              </a:gs>
+            </a:gsLst>
+            <a:path path="rect">
+              <a:fillToRect l="50000" t="50000" r="50000" b="50000"/>
+            </a:path>
+            <a:tileRect/>
+          </a:gradFill>
+          <a:ln>
+            <a:solidFill>
+              <a:schemeClr val="bg1">
+                <a:alpha val="88000"/>
+              </a:schemeClr>
+            </a:solidFill>
+          </a:ln>
+        </p:spPr>
+        <p:style>
+          <a:lnRef idx="2">
+            <a:schemeClr val="accent1">
+              <a:shade val="50000"/>
+            </a:schemeClr>
+          </a:lnRef>
+          <a:fillRef idx="1">
+            <a:schemeClr val="accent1"/>
+          </a:fillRef>
+          <a:effectRef idx="0">
+            <a:schemeClr val="accent1"/>
+          </a:effectRef>
+          <a:fontRef idx="minor">
+            <a:schemeClr val="lt1"/>
+          </a:fontRef>
+        </p:style>
+        <p:txBody>
+          <a:bodyPr rtlCol="0" anchor="ctr"/>
+          <a:p>
+            <a:pPr algn="ctr"/>
+            <a:endParaRPr lang="en-US"/>
+          </a:p>
+        </p:txBody>
+      </p:sp>
+      <p:sp>
+        <p:nvSpPr>
+          <p:cNvPr id="11" name="Text Box 10"/>
+          <p:cNvSpPr txBox="1"/>
+          <p:nvPr/>
+        </p:nvSpPr>
+        <p:spPr>
+          <a:xfrm>
+            <a:off x="2320290" y="316230"/>
+            <a:ext cx="9508490" cy="1322070"/>
+          </a:xfrm>
+          <a:prstGeom prst="rect">
+            <a:avLst/>
+          </a:prstGeom>
+          <a:noFill/>
+        </p:spPr>
+        <p:txBody>
+          <a:bodyPr wrap="square" rtlCol="0">
+            <a:spAutoFit/>
+          </a:bodyPr>
+          <a:p>
+            <a:r>
+              <a:rPr lang="en-US" altLang="en-US" sz="8000">
+                <a:solidFill>
+                  <a:srgbClr val="C6790C"/>
+                </a:solidFill>
+                <a:latin typeface="Uroob" panose="00000800000000000000" charset="0"/>
+                <a:cs typeface="Uroob" panose="00000800000000000000" charset="0"/>
+              </a:rPr>
+              <a:t>External Network Cards</a:t>
+            </a:r>
+            <a:endParaRPr lang="en-US" altLang="en-US" sz="8000">
+              <a:solidFill>
+                <a:srgbClr val="C6790C"/>
+              </a:solidFill>
+              <a:latin typeface="Uroob" panose="00000800000000000000" charset="0"/>
+              <a:cs typeface="Uroob" panose="00000800000000000000" charset="0"/>
+            </a:endParaRPr>
+          </a:p>
+        </p:txBody>
+      </p:sp>
+      <p:pic>
+        <p:nvPicPr>
+          <p:cNvPr id="4" name="Picture 3"/>
+          <p:cNvPicPr>
+            <a:picLocks noChangeAspect="1"/>
+          </p:cNvPicPr>
+          <p:nvPr/>
+        </p:nvPicPr>
+        <p:blipFill>
+          <a:blip r:embed="rId3"/>
+          <a:stretch>
+            <a:fillRect/>
+          </a:stretch>
+        </p:blipFill>
+        <p:spPr>
+          <a:xfrm>
+            <a:off x="108585" y="-53975"/>
+            <a:ext cx="1837055" cy="1837055"/>
+          </a:xfrm>
+          <a:prstGeom prst="rect">
+            <a:avLst/>
+          </a:prstGeom>
+        </p:spPr>
+      </p:pic>
+      <p:sp>
+        <p:nvSpPr>
+          <p:cNvPr id="100" name="Text Box 99"/>
+          <p:cNvSpPr txBox="1"/>
+          <p:nvPr/>
+        </p:nvSpPr>
+        <p:spPr>
+          <a:xfrm>
+            <a:off x="5119370" y="2458403"/>
+            <a:ext cx="5080000" cy="1198880"/>
+          </a:xfrm>
+          <a:prstGeom prst="rect">
+            <a:avLst/>
+          </a:prstGeom>
+          <a:noFill/>
+          <a:ln w="9525">
+            <a:noFill/>
+          </a:ln>
+        </p:spPr>
+        <p:txBody>
+          <a:bodyPr>
+            <a:spAutoFit/>
+          </a:bodyPr>
+          <a:p>
+            <a:pPr indent="0">
+              <a:buNone/>
+            </a:pPr>
+            <a:r>
+              <a:rPr lang="en-US" b="0">
+                <a:latin typeface="Calibri" charset="0"/>
+                <a:cs typeface="SimSun" charset="0"/>
+              </a:rPr>
+              <a:t>External network cards are of two types: </a:t>
+            </a:r>
+            <a:endParaRPr lang="en-US" b="0">
+              <a:latin typeface="Calibri" charset="0"/>
+              <a:cs typeface="SimSun" charset="0"/>
+            </a:endParaRPr>
+          </a:p>
+          <a:p>
+            <a:pPr indent="0">
+              <a:buNone/>
+            </a:pPr>
+            <a:endParaRPr lang="en-US" b="0">
+              <a:latin typeface="Calibri" charset="0"/>
+              <a:cs typeface="SimSun" charset="0"/>
+            </a:endParaRPr>
+          </a:p>
+          <a:p>
+            <a:pPr marL="285750" indent="-285750">
+              <a:buFont typeface="Arial" panose="02080604020202020204" pitchFamily="34" charset="0"/>
+              <a:buChar char="•"/>
+            </a:pPr>
+            <a:r>
+              <a:rPr lang="en-US" b="0">
+                <a:latin typeface="Calibri" charset="0"/>
+                <a:cs typeface="SimSun" charset="0"/>
+              </a:rPr>
+              <a:t>Wireless and </a:t>
+            </a:r>
+            <a:endParaRPr lang="en-US" b="0">
+              <a:latin typeface="Calibri" charset="0"/>
+              <a:cs typeface="SimSun" charset="0"/>
+            </a:endParaRPr>
+          </a:p>
+          <a:p>
+            <a:pPr marL="285750" indent="-285750">
+              <a:buFont typeface="Arial" panose="02080604020202020204" pitchFamily="34" charset="0"/>
+              <a:buChar char="•"/>
+            </a:pPr>
+            <a:r>
+              <a:rPr lang="en-US" b="0">
+                <a:latin typeface="Calibri" charset="0"/>
+                <a:cs typeface="SimSun" charset="0"/>
+              </a:rPr>
+              <a:t>USB based</a:t>
+            </a:r>
+            <a:endParaRPr lang="en-US" b="0">
+              <a:latin typeface="Calibri" charset="0"/>
+              <a:cs typeface="SimSun" charset="0"/>
+            </a:endParaRPr>
+          </a:p>
+        </p:txBody>
+      </p:sp>
+      <p:pic>
+        <p:nvPicPr>
+          <p:cNvPr id="2" name="Picture 5" descr="IMG_260"/>
+          <p:cNvPicPr>
+            <a:picLocks noChangeAspect="1"/>
+          </p:cNvPicPr>
+          <p:nvPr/>
+        </p:nvPicPr>
+        <p:blipFill>
+          <a:blip r:embed="rId4">
+            <a:clrChange>
+              <a:clrFrom>
+                <a:srgbClr val="FFFFFF">
+                  <a:alpha val="100000"/>
+                </a:srgbClr>
+              </a:clrFrom>
+              <a:clrTo>
+                <a:srgbClr val="FFFFFF">
+                  <a:alpha val="100000"/>
+                  <a:alpha val="0"/>
+                </a:srgbClr>
+              </a:clrTo>
+            </a:clrChange>
+            <a:lum bright="-6000"/>
+          </a:blip>
+          <a:stretch>
+            <a:fillRect/>
+          </a:stretch>
+        </p:blipFill>
+        <p:spPr>
+          <a:xfrm>
+            <a:off x="702945" y="2353945"/>
+            <a:ext cx="4416425" cy="2948305"/>
+          </a:xfrm>
+          <a:prstGeom prst="rect">
+            <a:avLst/>
+          </a:prstGeom>
+          <a:noFill/>
+          <a:ln w="9525">
+            <a:noFill/>
+          </a:ln>
+        </p:spPr>
+      </p:pic>
+    </p:spTree>
+  </p:cSld>
+  <p:clrMapOvr>
+    <a:masterClrMapping/>
+  </p:clrMapOvr>
+</p:sld>
+</file>
+
+<file path=ppt/slides/slide8.xml><?xml version="1.0" encoding="utf-8"?>
+<p:sld xmlns:a="http://schemas.openxmlformats.org/drawingml/2006/main" xmlns:r="http://schemas.openxmlformats.org/officeDocument/2006/relationships" xmlns:p="http://schemas.openxmlformats.org/presentationml/2006/main">
+  <p:cSld>
+    <p:bg>
+      <p:bgPr>
+        <a:gradFill>
+          <a:gsLst>
+            <a:gs pos="94000">
+              <a:srgbClr val="54782E">
+                <a:alpha val="100000"/>
+              </a:srgbClr>
+            </a:gs>
+            <a:gs pos="99000">
+              <a:srgbClr val="557A2F">
+                <a:alpha val="100000"/>
+              </a:srgbClr>
+            </a:gs>
+            <a:gs pos="99000">
+              <a:srgbClr val="577D30">
+                <a:alpha val="100000"/>
+              </a:srgbClr>
+            </a:gs>
+            <a:gs pos="98000">
+              <a:srgbClr val="5C8433">
+                <a:alpha val="100000"/>
+              </a:srgbClr>
+            </a:gs>
+            <a:gs pos="96000">
+              <a:srgbClr val="659138">
+                <a:alpha val="100000"/>
+              </a:srgbClr>
+            </a:gs>
+            <a:gs pos="92000">
+              <a:srgbClr val="78AC42">
+                <a:alpha val="100000"/>
+              </a:srgbClr>
+            </a:gs>
+            <a:gs pos="42000">
+              <a:schemeClr val="bg1"/>
+            </a:gs>
+            <a:gs pos="100000">
+              <a:srgbClr val="52762D"/>
+            </a:gs>
+          </a:gsLst>
+          <a:lin ang="2700000" scaled="0"/>
+        </a:gradFill>
+        <a:effectLst/>
+      </p:bgPr>
+    </p:bg>
+    <p:spTree>
+      <p:nvGrpSpPr>
+        <p:cNvPr id="1" name=""/>
+        <p:cNvGrpSpPr/>
+        <p:nvPr/>
+      </p:nvGrpSpPr>
+      <p:grpSpPr/>
+      <p:pic>
+        <p:nvPicPr>
+          <p:cNvPr id="5" name="Picture 4" descr="United TrusT Logo"/>
+          <p:cNvPicPr>
+            <a:picLocks noChangeAspect="1"/>
+          </p:cNvPicPr>
+          <p:nvPr/>
+        </p:nvPicPr>
+        <p:blipFill>
+          <a:blip r:embed="rId1"/>
+          <a:stretch>
+            <a:fillRect/>
+          </a:stretch>
+        </p:blipFill>
+        <p:spPr>
+          <a:xfrm>
+            <a:off x="108585" y="6128385"/>
+            <a:ext cx="1650365" cy="634365"/>
+          </a:xfrm>
+          <a:prstGeom prst="rect">
+            <a:avLst/>
+          </a:prstGeom>
+        </p:spPr>
+      </p:pic>
+      <p:pic>
+        <p:nvPicPr>
+          <p:cNvPr id="6" name="Picture 5" descr="bdedu_logo"/>
+          <p:cNvPicPr>
+            <a:picLocks noChangeAspect="1"/>
+          </p:cNvPicPr>
+          <p:nvPr/>
+        </p:nvPicPr>
+        <p:blipFill>
+          <a:blip r:embed="rId2"/>
+          <a:stretch>
+            <a:fillRect/>
+          </a:stretch>
+        </p:blipFill>
+        <p:spPr>
+          <a:xfrm>
+            <a:off x="9440545" y="6061710"/>
+            <a:ext cx="2693670" cy="701040"/>
+          </a:xfrm>
+          <a:prstGeom prst="rect">
+            <a:avLst/>
+          </a:prstGeom>
+        </p:spPr>
+      </p:pic>
+      <p:sp>
+        <p:nvSpPr>
+          <p:cNvPr id="10" name="Freeform 9"/>
+          <p:cNvSpPr/>
+          <p:nvPr/>
+        </p:nvSpPr>
+        <p:spPr>
+          <a:xfrm>
+            <a:off x="2205990" y="283845"/>
+            <a:ext cx="9353550" cy="1162050"/>
+          </a:xfrm>
+          <a:custGeom>
+            <a:avLst/>
+            <a:gdLst>
+              <a:gd name="connsiteX0" fmla="*/ 0 w 14730"/>
+              <a:gd name="connsiteY0" fmla="*/ 0 h 1830"/>
+              <a:gd name="connsiteX1" fmla="*/ 13869 w 14730"/>
+              <a:gd name="connsiteY1" fmla="*/ 60 h 1830"/>
+              <a:gd name="connsiteX2" fmla="*/ 14730 w 14730"/>
+              <a:gd name="connsiteY2" fmla="*/ 1830 h 1830"/>
+              <a:gd name="connsiteX3" fmla="*/ 0 w 14730"/>
+              <a:gd name="connsiteY3" fmla="*/ 1830 h 1830"/>
+              <a:gd name="connsiteX4" fmla="*/ 0 w 14730"/>
+              <a:gd name="connsiteY4" fmla="*/ 0 h 1830"/>
+            </a:gdLst>
+            <a:ahLst/>
+            <a:cxnLst>
+              <a:cxn ang="0">
+                <a:pos x="connsiteX0" y="connsiteY0"/>
+              </a:cxn>
+              <a:cxn ang="0">
+                <a:pos x="connsiteX1" y="connsiteY1"/>
+              </a:cxn>
+              <a:cxn ang="0">
+                <a:pos x="connsiteX2" y="connsiteY2"/>
+              </a:cxn>
+              <a:cxn ang="0">
+                <a:pos x="connsiteX3" y="connsiteY3"/>
+              </a:cxn>
+              <a:cxn ang="0">
+                <a:pos x="connsiteX4" y="connsiteY4"/>
+              </a:cxn>
+            </a:cxnLst>
+            <a:rect l="l" t="t" r="r" b="b"/>
+            <a:pathLst>
+              <a:path w="14730" h="1830">
+                <a:moveTo>
+                  <a:pt x="0" y="0"/>
+                </a:moveTo>
+                <a:lnTo>
+                  <a:pt x="13869" y="60"/>
+                </a:lnTo>
+                <a:lnTo>
+                  <a:pt x="14730" y="1830"/>
+                </a:lnTo>
+                <a:lnTo>
+                  <a:pt x="0" y="1830"/>
+                </a:lnTo>
+                <a:lnTo>
+                  <a:pt x="0" y="0"/>
+                </a:lnTo>
+                <a:close/>
+              </a:path>
+            </a:pathLst>
+          </a:custGeom>
+          <a:gradFill>
+            <a:gsLst>
+              <a:gs pos="80000">
+                <a:srgbClr val="92D050"/>
+              </a:gs>
+              <a:gs pos="100000">
+                <a:schemeClr val="accent1">
+                  <a:lumMod val="30000"/>
+                  <a:lumOff val="70000"/>
+                </a:schemeClr>
+              </a:gs>
+            </a:gsLst>
+            <a:path path="rect">
+              <a:fillToRect l="50000" t="50000" r="50000" b="50000"/>
+            </a:path>
+            <a:tileRect/>
+          </a:gradFill>
+          <a:ln>
+            <a:solidFill>
+              <a:schemeClr val="bg1">
+                <a:alpha val="88000"/>
+              </a:schemeClr>
+            </a:solidFill>
+          </a:ln>
+        </p:spPr>
+        <p:style>
+          <a:lnRef idx="2">
+            <a:schemeClr val="accent1">
+              <a:shade val="50000"/>
+            </a:schemeClr>
+          </a:lnRef>
+          <a:fillRef idx="1">
+            <a:schemeClr val="accent1"/>
+          </a:fillRef>
+          <a:effectRef idx="0">
+            <a:schemeClr val="accent1"/>
+          </a:effectRef>
+          <a:fontRef idx="minor">
+            <a:schemeClr val="lt1"/>
+          </a:fontRef>
+        </p:style>
+        <p:txBody>
+          <a:bodyPr rtlCol="0" anchor="ctr"/>
+          <a:p>
+            <a:pPr algn="ctr"/>
+            <a:endParaRPr lang="en-US"/>
+          </a:p>
+        </p:txBody>
+      </p:sp>
+      <p:sp>
+        <p:nvSpPr>
+          <p:cNvPr id="11" name="Text Box 10"/>
+          <p:cNvSpPr txBox="1"/>
+          <p:nvPr/>
+        </p:nvSpPr>
+        <p:spPr>
+          <a:xfrm>
+            <a:off x="2320290" y="316230"/>
+            <a:ext cx="9508490" cy="1322070"/>
+          </a:xfrm>
+          <a:prstGeom prst="rect">
+            <a:avLst/>
+          </a:prstGeom>
+          <a:noFill/>
+        </p:spPr>
+        <p:txBody>
+          <a:bodyPr wrap="square" rtlCol="0">
+            <a:spAutoFit/>
+          </a:bodyPr>
+          <a:p>
+            <a:r>
+              <a:rPr lang="en-US" altLang="en-US" sz="8000">
+                <a:solidFill>
+                  <a:srgbClr val="C6790C"/>
+                </a:solidFill>
+                <a:latin typeface="Uroob" panose="00000800000000000000" charset="0"/>
+                <a:cs typeface="Uroob" panose="00000800000000000000" charset="0"/>
+              </a:rPr>
+              <a:t>Universal Serial Bus</a:t>
+            </a:r>
+            <a:endParaRPr lang="en-US" altLang="en-US" sz="8000">
+              <a:solidFill>
+                <a:srgbClr val="C6790C"/>
+              </a:solidFill>
+              <a:latin typeface="Uroob" panose="00000800000000000000" charset="0"/>
+              <a:cs typeface="Uroob" panose="00000800000000000000" charset="0"/>
+            </a:endParaRPr>
+          </a:p>
+        </p:txBody>
+      </p:sp>
+      <p:pic>
+        <p:nvPicPr>
+          <p:cNvPr id="4" name="Picture 3"/>
+          <p:cNvPicPr>
+            <a:picLocks noChangeAspect="1"/>
+          </p:cNvPicPr>
+          <p:nvPr/>
+        </p:nvPicPr>
+        <p:blipFill>
+          <a:blip r:embed="rId3"/>
+          <a:stretch>
+            <a:fillRect/>
+          </a:stretch>
+        </p:blipFill>
+        <p:spPr>
+          <a:xfrm>
+            <a:off x="108585" y="-53975"/>
+            <a:ext cx="1837055" cy="1837055"/>
+          </a:xfrm>
+          <a:prstGeom prst="rect">
+            <a:avLst/>
+          </a:prstGeom>
+        </p:spPr>
+      </p:pic>
+      <p:sp>
+        <p:nvSpPr>
+          <p:cNvPr id="100" name="Text Box 99"/>
+          <p:cNvSpPr txBox="1"/>
+          <p:nvPr/>
+        </p:nvSpPr>
+        <p:spPr>
+          <a:xfrm>
+            <a:off x="5119370" y="2458403"/>
+            <a:ext cx="5080000" cy="1476375"/>
+          </a:xfrm>
+          <a:prstGeom prst="rect">
+            <a:avLst/>
+          </a:prstGeom>
+          <a:noFill/>
+          <a:ln w="9525">
+            <a:noFill/>
+          </a:ln>
+        </p:spPr>
+        <p:txBody>
+          <a:bodyPr>
+            <a:spAutoFit/>
+          </a:bodyPr>
+          <a:p>
+            <a:pPr indent="0">
+              <a:buNone/>
+            </a:pPr>
+            <a:r>
+              <a:rPr lang="en-US" b="0">
+                <a:latin typeface="Calibri" charset="0"/>
+                <a:cs typeface="SimSun" charset="0"/>
+              </a:rPr>
+              <a:t>USB card is easy to use and connects via USB port. Computers automatically detect USB card and can install the drivers required to support the USB network card automatically.</a:t>
+            </a:r>
+            <a:endParaRPr lang="en-US" b="0">
+              <a:latin typeface="Calibri" charset="0"/>
+              <a:cs typeface="SimSun" charset="0"/>
+            </a:endParaRPr>
+          </a:p>
+        </p:txBody>
+      </p:sp>
+      <p:pic>
+        <p:nvPicPr>
+          <p:cNvPr id="9" name="Picture 6" descr="IMG_261"/>
+          <p:cNvPicPr>
+            <a:picLocks noChangeAspect="1"/>
+          </p:cNvPicPr>
+          <p:nvPr/>
+        </p:nvPicPr>
+        <p:blipFill>
+          <a:blip r:embed="rId4">
+            <a:clrChange>
+              <a:clrFrom>
+                <a:srgbClr val="FFFFFF">
+                  <a:alpha val="100000"/>
+                </a:srgbClr>
+              </a:clrFrom>
+              <a:clrTo>
+                <a:srgbClr val="FFFFFF">
+                  <a:alpha val="100000"/>
+                  <a:alpha val="0"/>
+                </a:srgbClr>
+              </a:clrTo>
+            </a:clrChange>
+            <a:lum bright="-6000"/>
+          </a:blip>
+          <a:stretch>
+            <a:fillRect/>
+          </a:stretch>
+        </p:blipFill>
+        <p:spPr>
+          <a:xfrm>
+            <a:off x="483870" y="2035810"/>
+            <a:ext cx="3829685" cy="3381375"/>
+          </a:xfrm>
+          <a:prstGeom prst="rect">
+            <a:avLst/>
+          </a:prstGeom>
+          <a:noFill/>
+          <a:ln w="9525">
+            <a:noFill/>
+          </a:ln>
+        </p:spPr>
+      </p:pic>
+    </p:spTree>
+  </p:cSld>
+  <p:clrMapOvr>
+    <a:masterClrMapping/>
+  </p:clrMapOvr>
+</p:sld>
+</file>
+
+<file path=ppt/slides/slide9.xml><?xml version="1.0" encoding="utf-8"?>
 <p:sld xmlns:a="http://schemas.openxmlformats.org/drawingml/2006/main" xmlns:r="http://schemas.openxmlformats.org/officeDocument/2006/relationships" xmlns:p="http://schemas.openxmlformats.org/presentationml/2006/main">
   <p:cSld>
     <p:bg>
